--- a/Project Delta Airlines Presentation.pptx
+++ b/Project Delta Airlines Presentation.pptx
@@ -6,11 +6,14 @@
   </p:sldMasterIdLst>
   <p:sldIdLst>
     <p:sldId id="256" r:id="rId2"/>
-    <p:sldId id="257" r:id="rId3"/>
-    <p:sldId id="258" r:id="rId4"/>
-    <p:sldId id="259" r:id="rId5"/>
-    <p:sldId id="260" r:id="rId6"/>
-    <p:sldId id="261" r:id="rId7"/>
+    <p:sldId id="262" r:id="rId3"/>
+    <p:sldId id="263" r:id="rId4"/>
+    <p:sldId id="257" r:id="rId5"/>
+    <p:sldId id="258" r:id="rId6"/>
+    <p:sldId id="259" r:id="rId7"/>
+    <p:sldId id="260" r:id="rId8"/>
+    <p:sldId id="261" r:id="rId9"/>
+    <p:sldId id="264" r:id="rId10"/>
   </p:sldIdLst>
   <p:sldSz cx="12192000" cy="6858000"/>
   <p:notesSz cx="6858000" cy="9144000"/>
@@ -3484,7 +3487,7 @@
                   <a:srgbClr val="080808"/>
                 </a:solidFill>
               </a:rPr>
-              <a:t>By Huss Issa, David Wu Ricardo Benitez,, Matt Kenney</a:t>
+              <a:t>By Huss Issa, David Wu Ricardo Benitez, Matt Kenney</a:t>
             </a:r>
           </a:p>
         </p:txBody>
@@ -3644,6 +3647,172 @@
 <file path=ppt/slides/slide2.xml><?xml version="1.0" encoding="utf-8"?>
 <p:sld xmlns:a="http://schemas.openxmlformats.org/drawingml/2006/main" xmlns:r="http://schemas.openxmlformats.org/officeDocument/2006/relationships" xmlns:p="http://schemas.openxmlformats.org/presentationml/2006/main">
   <p:cSld>
+    <p:spTree>
+      <p:nvGrpSpPr>
+        <p:cNvPr id="1" name=""/>
+        <p:cNvGrpSpPr/>
+        <p:nvPr/>
+      </p:nvGrpSpPr>
+      <p:grpSpPr>
+        <a:xfrm>
+          <a:off x="0" y="0"/>
+          <a:ext cx="0" cy="0"/>
+          <a:chOff x="0" y="0"/>
+          <a:chExt cx="0" cy="0"/>
+        </a:xfrm>
+      </p:grpSpPr>
+      <p:sp>
+        <p:nvSpPr>
+          <p:cNvPr id="2" name="Title 1">
+            <a:extLst>
+              <a:ext uri="{FF2B5EF4-FFF2-40B4-BE49-F238E27FC236}">
+                <a16:creationId xmlns:a16="http://schemas.microsoft.com/office/drawing/2014/main" id="{0834ACD8-E87E-4A6D-9221-B73C671DB9F9}"/>
+              </a:ext>
+            </a:extLst>
+          </p:cNvPr>
+          <p:cNvSpPr>
+            <a:spLocks noGrp="1"/>
+          </p:cNvSpPr>
+          <p:nvPr>
+            <p:ph type="title"/>
+          </p:nvPr>
+        </p:nvSpPr>
+        <p:spPr/>
+        <p:txBody>
+          <a:bodyPr/>
+          <a:lstStyle/>
+          <a:p>
+            <a:r>
+              <a:rPr lang="en-US" dirty="0"/>
+              <a:t>Motivation and Summary </a:t>
+            </a:r>
+          </a:p>
+        </p:txBody>
+      </p:sp>
+      <p:sp>
+        <p:nvSpPr>
+          <p:cNvPr id="3" name="Content Placeholder 2">
+            <a:extLst>
+              <a:ext uri="{FF2B5EF4-FFF2-40B4-BE49-F238E27FC236}">
+                <a16:creationId xmlns:a16="http://schemas.microsoft.com/office/drawing/2014/main" id="{14352CAB-3AB3-497F-818C-D58A77A2899D}"/>
+              </a:ext>
+            </a:extLst>
+          </p:cNvPr>
+          <p:cNvSpPr>
+            <a:spLocks noGrp="1"/>
+          </p:cNvSpPr>
+          <p:nvPr>
+            <p:ph idx="1"/>
+          </p:nvPr>
+        </p:nvSpPr>
+        <p:spPr/>
+        <p:txBody>
+          <a:bodyPr/>
+          <a:lstStyle/>
+          <a:p>
+            <a:endParaRPr lang="en-US" dirty="0"/>
+          </a:p>
+        </p:txBody>
+      </p:sp>
+    </p:spTree>
+    <p:extLst>
+      <p:ext uri="{BB962C8B-B14F-4D97-AF65-F5344CB8AC3E}">
+        <p14:creationId xmlns:p14="http://schemas.microsoft.com/office/powerpoint/2010/main" val="2866884289"/>
+      </p:ext>
+    </p:extLst>
+  </p:cSld>
+  <p:clrMapOvr>
+    <a:masterClrMapping/>
+  </p:clrMapOvr>
+</p:sld>
+</file>
+
+<file path=ppt/slides/slide3.xml><?xml version="1.0" encoding="utf-8"?>
+<p:sld xmlns:a="http://schemas.openxmlformats.org/drawingml/2006/main" xmlns:r="http://schemas.openxmlformats.org/officeDocument/2006/relationships" xmlns:p="http://schemas.openxmlformats.org/presentationml/2006/main">
+  <p:cSld>
+    <p:spTree>
+      <p:nvGrpSpPr>
+        <p:cNvPr id="1" name=""/>
+        <p:cNvGrpSpPr/>
+        <p:nvPr/>
+      </p:nvGrpSpPr>
+      <p:grpSpPr>
+        <a:xfrm>
+          <a:off x="0" y="0"/>
+          <a:ext cx="0" cy="0"/>
+          <a:chOff x="0" y="0"/>
+          <a:chExt cx="0" cy="0"/>
+        </a:xfrm>
+      </p:grpSpPr>
+      <p:sp>
+        <p:nvSpPr>
+          <p:cNvPr id="2" name="Title 1">
+            <a:extLst>
+              <a:ext uri="{FF2B5EF4-FFF2-40B4-BE49-F238E27FC236}">
+                <a16:creationId xmlns:a16="http://schemas.microsoft.com/office/drawing/2014/main" id="{1E4AB0D1-DC1F-4E3C-BFA0-4080C82E793E}"/>
+              </a:ext>
+            </a:extLst>
+          </p:cNvPr>
+          <p:cNvSpPr>
+            <a:spLocks noGrp="1"/>
+          </p:cNvSpPr>
+          <p:nvPr>
+            <p:ph type="title"/>
+          </p:nvPr>
+        </p:nvSpPr>
+        <p:spPr/>
+        <p:txBody>
+          <a:bodyPr/>
+          <a:lstStyle/>
+          <a:p>
+            <a:r>
+              <a:rPr lang="en-US" dirty="0"/>
+              <a:t>Questions &amp; Data</a:t>
+            </a:r>
+          </a:p>
+        </p:txBody>
+      </p:sp>
+      <p:sp>
+        <p:nvSpPr>
+          <p:cNvPr id="3" name="Content Placeholder 2">
+            <a:extLst>
+              <a:ext uri="{FF2B5EF4-FFF2-40B4-BE49-F238E27FC236}">
+                <a16:creationId xmlns:a16="http://schemas.microsoft.com/office/drawing/2014/main" id="{E1C1BE05-8D42-488C-BF65-C0DCFDDAAF98}"/>
+              </a:ext>
+            </a:extLst>
+          </p:cNvPr>
+          <p:cNvSpPr>
+            <a:spLocks noGrp="1"/>
+          </p:cNvSpPr>
+          <p:nvPr>
+            <p:ph idx="1"/>
+          </p:nvPr>
+        </p:nvSpPr>
+        <p:spPr/>
+        <p:txBody>
+          <a:bodyPr/>
+          <a:lstStyle/>
+          <a:p>
+            <a:endParaRPr lang="en-US" dirty="0"/>
+          </a:p>
+        </p:txBody>
+      </p:sp>
+    </p:spTree>
+    <p:extLst>
+      <p:ext uri="{BB962C8B-B14F-4D97-AF65-F5344CB8AC3E}">
+        <p14:creationId xmlns:p14="http://schemas.microsoft.com/office/powerpoint/2010/main" val="2729524770"/>
+      </p:ext>
+    </p:extLst>
+  </p:cSld>
+  <p:clrMapOvr>
+    <a:masterClrMapping/>
+  </p:clrMapOvr>
+</p:sld>
+</file>
+
+<file path=ppt/slides/slide4.xml><?xml version="1.0" encoding="utf-8"?>
+<p:sld xmlns:a="http://schemas.openxmlformats.org/drawingml/2006/main" xmlns:r="http://schemas.openxmlformats.org/officeDocument/2006/relationships" xmlns:p="http://schemas.openxmlformats.org/presentationml/2006/main">
+  <p:cSld>
     <p:bg>
       <p:bgPr>
         <a:solidFill>
@@ -3846,7 +4015,7 @@
 </p:sld>
 </file>
 
-<file path=ppt/slides/slide3.xml><?xml version="1.0" encoding="utf-8"?>
+<file path=ppt/slides/slide5.xml><?xml version="1.0" encoding="utf-8"?>
 <p:sld xmlns:a="http://schemas.openxmlformats.org/drawingml/2006/main" xmlns:r="http://schemas.openxmlformats.org/officeDocument/2006/relationships" xmlns:p="http://schemas.openxmlformats.org/presentationml/2006/main">
   <p:cSld>
     <p:bg>
@@ -4017,7 +4186,7 @@
 </p:sld>
 </file>
 
-<file path=ppt/slides/slide4.xml><?xml version="1.0" encoding="utf-8"?>
+<file path=ppt/slides/slide6.xml><?xml version="1.0" encoding="utf-8"?>
 <p:sld xmlns:a="http://schemas.openxmlformats.org/drawingml/2006/main" xmlns:r="http://schemas.openxmlformats.org/officeDocument/2006/relationships" xmlns:p="http://schemas.openxmlformats.org/presentationml/2006/main">
   <p:cSld>
     <p:spTree>
@@ -4062,6 +4231,13 @@
           <a:p>
             <a:r>
               <a:rPr lang="en-US" dirty="0"/>
+              <a:t>				Data Analysis:</a:t>
+            </a:r>
+            <a:br>
+              <a:rPr lang="en-US" dirty="0"/>
+            </a:br>
+            <a:r>
+              <a:rPr lang="en-US" dirty="0"/>
               <a:t>Sample Atlanta to Los Angeles, Delta Passenger Volume </a:t>
             </a:r>
           </a:p>
@@ -4170,7 +4346,7 @@
 </p:sld>
 </file>
 
-<file path=ppt/slides/slide5.xml><?xml version="1.0" encoding="utf-8"?>
+<file path=ppt/slides/slide7.xml><?xml version="1.0" encoding="utf-8"?>
 <p:sld xmlns:a="http://schemas.openxmlformats.org/drawingml/2006/main" xmlns:r="http://schemas.openxmlformats.org/officeDocument/2006/relationships" xmlns:p="http://schemas.openxmlformats.org/presentationml/2006/main">
   <p:cSld>
     <p:spTree>
@@ -4324,7 +4500,7 @@
 </p:sld>
 </file>
 
-<file path=ppt/slides/slide6.xml><?xml version="1.0" encoding="utf-8"?>
+<file path=ppt/slides/slide8.xml><?xml version="1.0" encoding="utf-8"?>
 <p:sld xmlns:a="http://schemas.openxmlformats.org/drawingml/2006/main" xmlns:r="http://schemas.openxmlformats.org/officeDocument/2006/relationships" xmlns:p="http://schemas.openxmlformats.org/presentationml/2006/main">
   <p:cSld>
     <p:spTree>
@@ -4504,6 +4680,89 @@
     <p:extLst>
       <p:ext uri="{BB962C8B-B14F-4D97-AF65-F5344CB8AC3E}">
         <p14:creationId xmlns:p14="http://schemas.microsoft.com/office/powerpoint/2010/main" val="2527359522"/>
+      </p:ext>
+    </p:extLst>
+  </p:cSld>
+  <p:clrMapOvr>
+    <a:masterClrMapping/>
+  </p:clrMapOvr>
+</p:sld>
+</file>
+
+<file path=ppt/slides/slide9.xml><?xml version="1.0" encoding="utf-8"?>
+<p:sld xmlns:a="http://schemas.openxmlformats.org/drawingml/2006/main" xmlns:r="http://schemas.openxmlformats.org/officeDocument/2006/relationships" xmlns:p="http://schemas.openxmlformats.org/presentationml/2006/main">
+  <p:cSld>
+    <p:spTree>
+      <p:nvGrpSpPr>
+        <p:cNvPr id="1" name=""/>
+        <p:cNvGrpSpPr/>
+        <p:nvPr/>
+      </p:nvGrpSpPr>
+      <p:grpSpPr>
+        <a:xfrm>
+          <a:off x="0" y="0"/>
+          <a:ext cx="0" cy="0"/>
+          <a:chOff x="0" y="0"/>
+          <a:chExt cx="0" cy="0"/>
+        </a:xfrm>
+      </p:grpSpPr>
+      <p:sp>
+        <p:nvSpPr>
+          <p:cNvPr id="5" name="Title 4">
+            <a:extLst>
+              <a:ext uri="{FF2B5EF4-FFF2-40B4-BE49-F238E27FC236}">
+                <a16:creationId xmlns:a16="http://schemas.microsoft.com/office/drawing/2014/main" id="{B000221B-0BFF-4A85-BD65-6CF6ADD59FD2}"/>
+              </a:ext>
+            </a:extLst>
+          </p:cNvPr>
+          <p:cNvSpPr>
+            <a:spLocks noGrp="1"/>
+          </p:cNvSpPr>
+          <p:nvPr>
+            <p:ph type="title"/>
+          </p:nvPr>
+        </p:nvSpPr>
+        <p:spPr/>
+        <p:txBody>
+          <a:bodyPr/>
+          <a:lstStyle/>
+          <a:p>
+            <a:r>
+              <a:rPr lang="en-US" dirty="0"/>
+              <a:t>DISCUSSION and post mortem</a:t>
+            </a:r>
+          </a:p>
+        </p:txBody>
+      </p:sp>
+      <p:sp>
+        <p:nvSpPr>
+          <p:cNvPr id="6" name="Content Placeholder 5">
+            <a:extLst>
+              <a:ext uri="{FF2B5EF4-FFF2-40B4-BE49-F238E27FC236}">
+                <a16:creationId xmlns:a16="http://schemas.microsoft.com/office/drawing/2014/main" id="{3897C4BA-CE05-421D-BC41-9CAEDAF70368}"/>
+              </a:ext>
+            </a:extLst>
+          </p:cNvPr>
+          <p:cNvSpPr>
+            <a:spLocks noGrp="1"/>
+          </p:cNvSpPr>
+          <p:nvPr>
+            <p:ph idx="1"/>
+          </p:nvPr>
+        </p:nvSpPr>
+        <p:spPr/>
+        <p:txBody>
+          <a:bodyPr/>
+          <a:lstStyle/>
+          <a:p>
+            <a:endParaRPr lang="en-US" dirty="0"/>
+          </a:p>
+        </p:txBody>
+      </p:sp>
+    </p:spTree>
+    <p:extLst>
+      <p:ext uri="{BB962C8B-B14F-4D97-AF65-F5344CB8AC3E}">
+        <p14:creationId xmlns:p14="http://schemas.microsoft.com/office/powerpoint/2010/main" val="4047233146"/>
       </p:ext>
     </p:extLst>
   </p:cSld>

--- a/Project Delta Airlines Presentation.pptx
+++ b/Project Delta Airlines Presentation.pptx
@@ -3712,6 +3712,56 @@
           <a:p>
             <a:endParaRPr lang="en-US" dirty="0"/>
           </a:p>
+          <a:p>
+            <a:pPr lvl="1"/>
+            <a:r>
+              <a:rPr lang="en-US" dirty="0"/>
+              <a:t>Analyzing Deltas volume before and during Covid</a:t>
+            </a:r>
+          </a:p>
+          <a:p>
+            <a:pPr lvl="1"/>
+            <a:r>
+              <a:rPr lang="en-US" dirty="0"/>
+              <a:t>Analyzing how Covid has affected Delta’s freight volume </a:t>
+            </a:r>
+          </a:p>
+          <a:p>
+            <a:pPr lvl="1"/>
+            <a:r>
+              <a:rPr lang="en-US" dirty="0"/>
+              <a:t>How has Delta’s market position changed since covid</a:t>
+            </a:r>
+          </a:p>
+          <a:p>
+            <a:pPr lvl="1"/>
+            <a:r>
+              <a:rPr lang="en-US" dirty="0"/>
+              <a:t>Evaluate how Delta’s Atlanta routes to Los Angeles, New York, and Houston have been affected.</a:t>
+            </a:r>
+          </a:p>
+          <a:p>
+            <a:pPr lvl="1"/>
+            <a:r>
+              <a:rPr lang="en-US" dirty="0"/>
+              <a:t>Project Delta’s future volumes</a:t>
+            </a:r>
+          </a:p>
+          <a:p>
+            <a:pPr lvl="1"/>
+            <a:r>
+              <a:rPr lang="en-US" dirty="0"/>
+              <a:t>Why? To see how Covid has affected Delta’s position in the Industry for freight and passenger.</a:t>
+            </a:r>
+          </a:p>
+          <a:p>
+            <a:pPr lvl="1"/>
+            <a:endParaRPr lang="en-US" dirty="0"/>
+          </a:p>
+          <a:p>
+            <a:pPr lvl="1"/>
+            <a:endParaRPr lang="en-US" dirty="0"/>
+          </a:p>
         </p:txBody>
       </p:sp>
     </p:spTree>
@@ -3790,8 +3840,50 @@
         </p:nvSpPr>
         <p:spPr/>
         <p:txBody>
-          <a:bodyPr/>
-          <a:lstStyle/>
+          <a:bodyPr>
+            <a:normAutofit/>
+          </a:bodyPr>
+          <a:lstStyle/>
+          <a:p>
+            <a:r>
+              <a:rPr lang="en-US" dirty="0"/>
+              <a:t>We needed to be able to have passenger and freight data from various major routes to give us an indication of Delta’s volume compared to its competitors</a:t>
+            </a:r>
+          </a:p>
+          <a:p>
+            <a:r>
+              <a:rPr lang="en-US" dirty="0"/>
+              <a:t>We need to have data from before and after the pandemic</a:t>
+            </a:r>
+          </a:p>
+          <a:p>
+            <a:r>
+              <a:rPr lang="en-US" dirty="0"/>
+              <a:t>  Based on limited data we had since the vaccine was approved, we need to have some data to help project future volumes. </a:t>
+            </a:r>
+          </a:p>
+          <a:p>
+            <a:pPr marL="0" indent="0">
+              <a:buNone/>
+            </a:pPr>
+            <a:endParaRPr lang="en-US" dirty="0"/>
+          </a:p>
+          <a:p>
+            <a:r>
+              <a:rPr lang="en-US" dirty="0"/>
+              <a:t>We found our data at: </a:t>
+            </a:r>
+            <a:r>
+              <a:rPr lang="en-US" dirty="0">
+                <a:hlinkClick r:id="rId2"/>
+              </a:rPr>
+              <a:t>https://transtats.bts.gov/databases.asp?Z1qr_VQ=E&amp;Z1qr_Qr5p=N8vn6v10&amp;f7owrp6_VQF=D</a:t>
+            </a:r>
+            <a:endParaRPr lang="en-US" dirty="0"/>
+          </a:p>
+          <a:p>
+            <a:endParaRPr lang="en-US" dirty="0"/>
+          </a:p>
           <a:p>
             <a:endParaRPr lang="en-US" dirty="0"/>
           </a:p>
@@ -3925,7 +4017,7 @@
         </p:spPr>
         <p:txBody>
           <a:bodyPr>
-            <a:normAutofit/>
+            <a:normAutofit lnSpcReduction="10000"/>
           </a:bodyPr>
           <a:lstStyle/>
           <a:p>
@@ -3950,7 +4042,15 @@
           <a:p>
             <a:r>
               <a:rPr lang="en-US" sz="1700" dirty="0"/>
-              <a:t>The Data Cleanup process included selecting the relevant columns from the website, and downloading the data</a:t>
+              <a:t>The Data Cleanup process included selecting the relevant columns from the website, and downloading the data, and dropping irrelevant columns in </a:t>
+            </a:r>
+            <a:r>
+              <a:rPr lang="en-US" sz="1700" dirty="0" err="1"/>
+              <a:t>jupyter</a:t>
+            </a:r>
+            <a:r>
+              <a:rPr lang="en-US" sz="1700" dirty="0"/>
+              <a:t> notebooks</a:t>
             </a:r>
           </a:p>
           <a:p>
@@ -3994,8 +4094,38 @@
         </p:blipFill>
         <p:spPr>
           <a:xfrm>
-            <a:off x="6098892" y="2492376"/>
-            <a:ext cx="4802404" cy="3563372"/>
+            <a:off x="5964458" y="1018988"/>
+            <a:ext cx="4921696" cy="2820625"/>
+          </a:xfrm>
+          <a:prstGeom prst="rect">
+            <a:avLst/>
+          </a:prstGeom>
+        </p:spPr>
+      </p:pic>
+      <p:pic>
+        <p:nvPicPr>
+          <p:cNvPr id="7" name="Picture 6">
+            <a:extLst>
+              <a:ext uri="{FF2B5EF4-FFF2-40B4-BE49-F238E27FC236}">
+                <a16:creationId xmlns:a16="http://schemas.microsoft.com/office/drawing/2014/main" id="{105608AC-FFEA-4922-9BDF-6B95E6C61204}"/>
+              </a:ext>
+            </a:extLst>
+          </p:cNvPr>
+          <p:cNvPicPr>
+            <a:picLocks noChangeAspect="1"/>
+          </p:cNvPicPr>
+          <p:nvPr/>
+        </p:nvPicPr>
+        <p:blipFill>
+          <a:blip r:embed="rId4"/>
+          <a:stretch>
+            <a:fillRect/>
+          </a:stretch>
+        </p:blipFill>
+        <p:spPr>
+          <a:xfrm>
+            <a:off x="5478449" y="4003675"/>
+            <a:ext cx="5893715" cy="2563380"/>
           </a:xfrm>
           <a:prstGeom prst="rect">
             <a:avLst/>

--- a/Project Delta Airlines Presentation.pptx
+++ b/Project Delta Airlines Presentation.pptx
@@ -13,7 +13,9 @@
     <p:sldId id="259" r:id="rId7"/>
     <p:sldId id="260" r:id="rId8"/>
     <p:sldId id="261" r:id="rId9"/>
-    <p:sldId id="264" r:id="rId10"/>
+    <p:sldId id="266" r:id="rId10"/>
+    <p:sldId id="264" r:id="rId11"/>
+    <p:sldId id="265" r:id="rId12"/>
   </p:sldIdLst>
   <p:sldSz cx="12192000" cy="6858000"/>
   <p:notesSz cx="6858000" cy="9144000"/>
@@ -112,6 +114,11 @@
       </a:defRPr>
     </a:lvl9pPr>
   </p:defaultTextStyle>
+  <p:extLst>
+    <p:ext uri="{EFAFB233-063F-42B5-8137-9DF3F51BA10A}">
+      <p15:sldGuideLst xmlns:p15="http://schemas.microsoft.com/office/powerpoint/2012/main"/>
+    </p:ext>
+  </p:extLst>
 </p:presentation>
 </file>
 
@@ -305,7 +312,7 @@
           <a:p>
             <a:fld id="{C3AE3257-2723-42B8-AFB9-A8A6B21B87CD}" type="datetimeFigureOut">
               <a:rPr lang="en-US" smtClean="0"/>
-              <a:t>4/29/2021</a:t>
+              <a:t>4/30/2021</a:t>
             </a:fld>
             <a:endParaRPr lang="en-US"/>
           </a:p>
@@ -510,7 +517,7 @@
           <a:p>
             <a:fld id="{C3AE3257-2723-42B8-AFB9-A8A6B21B87CD}" type="datetimeFigureOut">
               <a:rPr lang="en-US" smtClean="0"/>
-              <a:t>4/29/2021</a:t>
+              <a:t>4/30/2021</a:t>
             </a:fld>
             <a:endParaRPr lang="en-US"/>
           </a:p>
@@ -690,7 +697,7 @@
           <a:p>
             <a:fld id="{C3AE3257-2723-42B8-AFB9-A8A6B21B87CD}" type="datetimeFigureOut">
               <a:rPr lang="en-US" smtClean="0"/>
-              <a:t>4/29/2021</a:t>
+              <a:t>4/30/2021</a:t>
             </a:fld>
             <a:endParaRPr lang="en-US"/>
           </a:p>
@@ -895,7 +902,7 @@
           <a:p>
             <a:fld id="{C3AE3257-2723-42B8-AFB9-A8A6B21B87CD}" type="datetimeFigureOut">
               <a:rPr lang="en-US" smtClean="0"/>
-              <a:t>4/29/2021</a:t>
+              <a:t>4/30/2021</a:t>
             </a:fld>
             <a:endParaRPr lang="en-US"/>
           </a:p>
@@ -1190,7 +1197,7 @@
           <a:p>
             <a:fld id="{C3AE3257-2723-42B8-AFB9-A8A6B21B87CD}" type="datetimeFigureOut">
               <a:rPr lang="en-US" smtClean="0"/>
-              <a:t>4/29/2021</a:t>
+              <a:t>4/30/2021</a:t>
             </a:fld>
             <a:endParaRPr lang="en-US"/>
           </a:p>
@@ -1462,7 +1469,7 @@
           <a:p>
             <a:fld id="{C3AE3257-2723-42B8-AFB9-A8A6B21B87CD}" type="datetimeFigureOut">
               <a:rPr lang="en-US" smtClean="0"/>
-              <a:t>4/29/2021</a:t>
+              <a:t>4/30/2021</a:t>
             </a:fld>
             <a:endParaRPr lang="en-US"/>
           </a:p>
@@ -1869,7 +1876,7 @@
           <a:p>
             <a:fld id="{C3AE3257-2723-42B8-AFB9-A8A6B21B87CD}" type="datetimeFigureOut">
               <a:rPr lang="en-US" smtClean="0"/>
-              <a:t>4/29/2021</a:t>
+              <a:t>4/30/2021</a:t>
             </a:fld>
             <a:endParaRPr lang="en-US"/>
           </a:p>
@@ -1987,7 +1994,7 @@
           <a:p>
             <a:fld id="{C3AE3257-2723-42B8-AFB9-A8A6B21B87CD}" type="datetimeFigureOut">
               <a:rPr lang="en-US" smtClean="0"/>
-              <a:t>4/29/2021</a:t>
+              <a:t>4/30/2021</a:t>
             </a:fld>
             <a:endParaRPr lang="en-US"/>
           </a:p>
@@ -2082,7 +2089,7 @@
           <a:p>
             <a:fld id="{C3AE3257-2723-42B8-AFB9-A8A6B21B87CD}" type="datetimeFigureOut">
               <a:rPr lang="en-US" smtClean="0"/>
-              <a:t>4/29/2021</a:t>
+              <a:t>4/30/2021</a:t>
             </a:fld>
             <a:endParaRPr lang="en-US"/>
           </a:p>
@@ -2372,7 +2379,7 @@
           <a:p>
             <a:fld id="{C3AE3257-2723-42B8-AFB9-A8A6B21B87CD}" type="datetimeFigureOut">
               <a:rPr lang="en-US" smtClean="0"/>
-              <a:t>4/29/2021</a:t>
+              <a:t>4/30/2021</a:t>
             </a:fld>
             <a:endParaRPr lang="en-US"/>
           </a:p>
@@ -2652,7 +2659,7 @@
           <a:p>
             <a:fld id="{C3AE3257-2723-42B8-AFB9-A8A6B21B87CD}" type="datetimeFigureOut">
               <a:rPr lang="en-US" smtClean="0"/>
-              <a:t>4/29/2021</a:t>
+              <a:t>4/30/2021</a:t>
             </a:fld>
             <a:endParaRPr lang="en-US"/>
           </a:p>
@@ -2902,7 +2909,7 @@
           <a:p>
             <a:fld id="{C3AE3257-2723-42B8-AFB9-A8A6B21B87CD}" type="datetimeFigureOut">
               <a:rPr lang="en-US" smtClean="0"/>
-              <a:t>4/29/2021</a:t>
+              <a:t>4/30/2021</a:t>
             </a:fld>
             <a:endParaRPr lang="en-US"/>
           </a:p>
@@ -3644,6 +3651,172 @@
 </p:sld>
 </file>
 
+<file path=ppt/slides/slide10.xml><?xml version="1.0" encoding="utf-8"?>
+<p:sld xmlns:a="http://schemas.openxmlformats.org/drawingml/2006/main" xmlns:r="http://schemas.openxmlformats.org/officeDocument/2006/relationships" xmlns:p="http://schemas.openxmlformats.org/presentationml/2006/main">
+  <p:cSld>
+    <p:spTree>
+      <p:nvGrpSpPr>
+        <p:cNvPr id="1" name=""/>
+        <p:cNvGrpSpPr/>
+        <p:nvPr/>
+      </p:nvGrpSpPr>
+      <p:grpSpPr>
+        <a:xfrm>
+          <a:off x="0" y="0"/>
+          <a:ext cx="0" cy="0"/>
+          <a:chOff x="0" y="0"/>
+          <a:chExt cx="0" cy="0"/>
+        </a:xfrm>
+      </p:grpSpPr>
+      <p:sp>
+        <p:nvSpPr>
+          <p:cNvPr id="5" name="Title 4">
+            <a:extLst>
+              <a:ext uri="{FF2B5EF4-FFF2-40B4-BE49-F238E27FC236}">
+                <a16:creationId xmlns:a16="http://schemas.microsoft.com/office/drawing/2014/main" id="{B000221B-0BFF-4A85-BD65-6CF6ADD59FD2}"/>
+              </a:ext>
+            </a:extLst>
+          </p:cNvPr>
+          <p:cNvSpPr>
+            <a:spLocks noGrp="1"/>
+          </p:cNvSpPr>
+          <p:nvPr>
+            <p:ph type="title"/>
+          </p:nvPr>
+        </p:nvSpPr>
+        <p:spPr/>
+        <p:txBody>
+          <a:bodyPr/>
+          <a:lstStyle/>
+          <a:p>
+            <a:r>
+              <a:rPr lang="en-US" dirty="0"/>
+              <a:t>DISCUSSION and post mortem</a:t>
+            </a:r>
+          </a:p>
+        </p:txBody>
+      </p:sp>
+      <p:sp>
+        <p:nvSpPr>
+          <p:cNvPr id="6" name="Content Placeholder 5">
+            <a:extLst>
+              <a:ext uri="{FF2B5EF4-FFF2-40B4-BE49-F238E27FC236}">
+                <a16:creationId xmlns:a16="http://schemas.microsoft.com/office/drawing/2014/main" id="{3897C4BA-CE05-421D-BC41-9CAEDAF70368}"/>
+              </a:ext>
+            </a:extLst>
+          </p:cNvPr>
+          <p:cNvSpPr>
+            <a:spLocks noGrp="1"/>
+          </p:cNvSpPr>
+          <p:nvPr>
+            <p:ph idx="1"/>
+          </p:nvPr>
+        </p:nvSpPr>
+        <p:spPr/>
+        <p:txBody>
+          <a:bodyPr/>
+          <a:lstStyle/>
+          <a:p>
+            <a:endParaRPr lang="en-US" dirty="0"/>
+          </a:p>
+        </p:txBody>
+      </p:sp>
+    </p:spTree>
+    <p:extLst>
+      <p:ext uri="{BB962C8B-B14F-4D97-AF65-F5344CB8AC3E}">
+        <p14:creationId xmlns:p14="http://schemas.microsoft.com/office/powerpoint/2010/main" val="4047233146"/>
+      </p:ext>
+    </p:extLst>
+  </p:cSld>
+  <p:clrMapOvr>
+    <a:masterClrMapping/>
+  </p:clrMapOvr>
+</p:sld>
+</file>
+
+<file path=ppt/slides/slide11.xml><?xml version="1.0" encoding="utf-8"?>
+<p:sld xmlns:a="http://schemas.openxmlformats.org/drawingml/2006/main" xmlns:r="http://schemas.openxmlformats.org/officeDocument/2006/relationships" xmlns:p="http://schemas.openxmlformats.org/presentationml/2006/main">
+  <p:cSld>
+    <p:spTree>
+      <p:nvGrpSpPr>
+        <p:cNvPr id="1" name=""/>
+        <p:cNvGrpSpPr/>
+        <p:nvPr/>
+      </p:nvGrpSpPr>
+      <p:grpSpPr>
+        <a:xfrm>
+          <a:off x="0" y="0"/>
+          <a:ext cx="0" cy="0"/>
+          <a:chOff x="0" y="0"/>
+          <a:chExt cx="0" cy="0"/>
+        </a:xfrm>
+      </p:grpSpPr>
+      <p:sp>
+        <p:nvSpPr>
+          <p:cNvPr id="2" name="Title 1">
+            <a:extLst>
+              <a:ext uri="{FF2B5EF4-FFF2-40B4-BE49-F238E27FC236}">
+                <a16:creationId xmlns:a16="http://schemas.microsoft.com/office/drawing/2014/main" id="{1B1CC4C3-B980-4370-B6DB-C7B5BADE97A2}"/>
+              </a:ext>
+            </a:extLst>
+          </p:cNvPr>
+          <p:cNvSpPr>
+            <a:spLocks noGrp="1"/>
+          </p:cNvSpPr>
+          <p:nvPr>
+            <p:ph type="title"/>
+          </p:nvPr>
+        </p:nvSpPr>
+        <p:spPr/>
+        <p:txBody>
+          <a:bodyPr/>
+          <a:lstStyle/>
+          <a:p>
+            <a:r>
+              <a:rPr lang="en-US" dirty="0"/>
+              <a:t>Challenges for future prediction</a:t>
+            </a:r>
+          </a:p>
+        </p:txBody>
+      </p:sp>
+      <p:sp>
+        <p:nvSpPr>
+          <p:cNvPr id="3" name="Content Placeholder 2">
+            <a:extLst>
+              <a:ext uri="{FF2B5EF4-FFF2-40B4-BE49-F238E27FC236}">
+                <a16:creationId xmlns:a16="http://schemas.microsoft.com/office/drawing/2014/main" id="{06EA3250-F0C0-4E2C-B8D5-E3AD6F4929DA}"/>
+              </a:ext>
+            </a:extLst>
+          </p:cNvPr>
+          <p:cNvSpPr>
+            <a:spLocks noGrp="1"/>
+          </p:cNvSpPr>
+          <p:nvPr>
+            <p:ph idx="1"/>
+          </p:nvPr>
+        </p:nvSpPr>
+        <p:spPr/>
+        <p:txBody>
+          <a:bodyPr/>
+          <a:lstStyle/>
+          <a:p>
+            <a:endParaRPr lang="en-US"/>
+          </a:p>
+        </p:txBody>
+      </p:sp>
+    </p:spTree>
+    <p:extLst>
+      <p:ext uri="{BB962C8B-B14F-4D97-AF65-F5344CB8AC3E}">
+        <p14:creationId xmlns:p14="http://schemas.microsoft.com/office/powerpoint/2010/main" val="1691348210"/>
+      </p:ext>
+    </p:extLst>
+  </p:cSld>
+  <p:clrMapOvr>
+    <a:masterClrMapping/>
+  </p:clrMapOvr>
+</p:sld>
+</file>
+
 <file path=ppt/slides/slide2.xml><?xml version="1.0" encoding="utf-8"?>
 <p:sld xmlns:a="http://schemas.openxmlformats.org/drawingml/2006/main" xmlns:r="http://schemas.openxmlformats.org/officeDocument/2006/relationships" xmlns:p="http://schemas.openxmlformats.org/presentationml/2006/main">
   <p:cSld>
@@ -4838,10 +5011,10 @@
       </p:grpSpPr>
       <p:sp>
         <p:nvSpPr>
-          <p:cNvPr id="5" name="Title 4">
+          <p:cNvPr id="2" name="Title 1">
             <a:extLst>
               <a:ext uri="{FF2B5EF4-FFF2-40B4-BE49-F238E27FC236}">
-                <a16:creationId xmlns:a16="http://schemas.microsoft.com/office/drawing/2014/main" id="{B000221B-0BFF-4A85-BD65-6CF6ADD59FD2}"/>
+                <a16:creationId xmlns:a16="http://schemas.microsoft.com/office/drawing/2014/main" id="{2C1DF0F1-5B66-4D02-996B-33B9D50B618F}"/>
               </a:ext>
             </a:extLst>
           </p:cNvPr>
@@ -4852,47 +5025,127 @@
             <p:ph type="title"/>
           </p:nvPr>
         </p:nvSpPr>
-        <p:spPr/>
+        <p:spPr>
+          <a:xfrm>
+            <a:off x="1024127" y="471509"/>
+            <a:ext cx="9158559" cy="1737360"/>
+          </a:xfrm>
+        </p:spPr>
         <p:txBody>
           <a:bodyPr/>
           <a:lstStyle/>
           <a:p>
             <a:r>
               <a:rPr lang="en-US" dirty="0"/>
-              <a:t>DISCUSSION and post mortem</a:t>
-            </a:r>
-          </a:p>
-        </p:txBody>
-      </p:sp>
-      <p:sp>
-        <p:nvSpPr>
+              <a:t>Here is the code for the previous chart:</a:t>
+            </a:r>
+            <a:br>
+              <a:rPr lang="en-US" dirty="0"/>
+            </a:br>
+            <a:r>
+              <a:rPr lang="en-US" dirty="0"/>
+              <a:t>Market Position, Delta vs Competitors </a:t>
+            </a:r>
+            <a:br>
+              <a:rPr lang="en-US" dirty="0"/>
+            </a:br>
+            <a:endParaRPr lang="en-US" dirty="0"/>
+          </a:p>
+        </p:txBody>
+      </p:sp>
+      <p:pic>
+        <p:nvPicPr>
           <p:cNvPr id="6" name="Content Placeholder 5">
             <a:extLst>
               <a:ext uri="{FF2B5EF4-FFF2-40B4-BE49-F238E27FC236}">
-                <a16:creationId xmlns:a16="http://schemas.microsoft.com/office/drawing/2014/main" id="{3897C4BA-CE05-421D-BC41-9CAEDAF70368}"/>
+                <a16:creationId xmlns:a16="http://schemas.microsoft.com/office/drawing/2014/main" id="{5E8401A8-9048-4F87-B7D2-C76FA5C3D1DB}"/>
               </a:ext>
             </a:extLst>
           </p:cNvPr>
-          <p:cNvSpPr>
-            <a:spLocks noGrp="1"/>
-          </p:cNvSpPr>
+          <p:cNvPicPr>
+            <a:picLocks noGrp="1" noChangeAspect="1"/>
+          </p:cNvPicPr>
           <p:nvPr>
             <p:ph idx="1"/>
           </p:nvPr>
-        </p:nvSpPr>
-        <p:spPr/>
-        <p:txBody>
-          <a:bodyPr/>
-          <a:lstStyle/>
-          <a:p>
-            <a:endParaRPr lang="en-US" dirty="0"/>
-          </a:p>
-        </p:txBody>
-      </p:sp>
+        </p:nvPicPr>
+        <p:blipFill>
+          <a:blip r:embed="rId2"/>
+          <a:stretch>
+            <a:fillRect/>
+          </a:stretch>
+        </p:blipFill>
+        <p:spPr>
+          <a:xfrm>
+            <a:off x="524707" y="2478608"/>
+            <a:ext cx="5228393" cy="3458127"/>
+          </a:xfrm>
+        </p:spPr>
+      </p:pic>
+      <p:pic>
+        <p:nvPicPr>
+          <p:cNvPr id="8" name="Picture 7">
+            <a:extLst>
+              <a:ext uri="{FF2B5EF4-FFF2-40B4-BE49-F238E27FC236}">
+                <a16:creationId xmlns:a16="http://schemas.microsoft.com/office/drawing/2014/main" id="{5F1391D8-7A23-4F46-BC26-3BF32FB4411A}"/>
+              </a:ext>
+            </a:extLst>
+          </p:cNvPr>
+          <p:cNvPicPr>
+            <a:picLocks noChangeAspect="1"/>
+          </p:cNvPicPr>
+          <p:nvPr/>
+        </p:nvPicPr>
+        <p:blipFill>
+          <a:blip r:embed="rId3"/>
+          <a:stretch>
+            <a:fillRect/>
+          </a:stretch>
+        </p:blipFill>
+        <p:spPr>
+          <a:xfrm>
+            <a:off x="6180793" y="3057525"/>
+            <a:ext cx="5644494" cy="2679455"/>
+          </a:xfrm>
+          <a:prstGeom prst="rect">
+            <a:avLst/>
+          </a:prstGeom>
+        </p:spPr>
+      </p:pic>
+      <p:pic>
+        <p:nvPicPr>
+          <p:cNvPr id="10" name="Picture 9">
+            <a:extLst>
+              <a:ext uri="{FF2B5EF4-FFF2-40B4-BE49-F238E27FC236}">
+                <a16:creationId xmlns:a16="http://schemas.microsoft.com/office/drawing/2014/main" id="{A47C9583-11AB-4E5E-AE19-BB3855DA69DE}"/>
+              </a:ext>
+            </a:extLst>
+          </p:cNvPr>
+          <p:cNvPicPr>
+            <a:picLocks noChangeAspect="1"/>
+          </p:cNvPicPr>
+          <p:nvPr/>
+        </p:nvPicPr>
+        <p:blipFill>
+          <a:blip r:embed="rId4"/>
+          <a:stretch>
+            <a:fillRect/>
+          </a:stretch>
+        </p:blipFill>
+        <p:spPr>
+          <a:xfrm>
+            <a:off x="6180793" y="2478608"/>
+            <a:ext cx="5644494" cy="473134"/>
+          </a:xfrm>
+          <a:prstGeom prst="rect">
+            <a:avLst/>
+          </a:prstGeom>
+        </p:spPr>
+      </p:pic>
     </p:spTree>
     <p:extLst>
       <p:ext uri="{BB962C8B-B14F-4D97-AF65-F5344CB8AC3E}">
-        <p14:creationId xmlns:p14="http://schemas.microsoft.com/office/powerpoint/2010/main" val="4047233146"/>
+        <p14:creationId xmlns:p14="http://schemas.microsoft.com/office/powerpoint/2010/main" val="2089065232"/>
       </p:ext>
     </p:extLst>
   </p:cSld>

--- a/Project Delta Airlines Presentation.pptx
+++ b/Project Delta Airlines Presentation.pptx
@@ -13,9 +13,8 @@
     <p:sldId id="259" r:id="rId7"/>
     <p:sldId id="260" r:id="rId8"/>
     <p:sldId id="261" r:id="rId9"/>
-    <p:sldId id="266" r:id="rId10"/>
+    <p:sldId id="265" r:id="rId10"/>
     <p:sldId id="264" r:id="rId11"/>
-    <p:sldId id="265" r:id="rId12"/>
   </p:sldIdLst>
   <p:sldSz cx="12192000" cy="6858000"/>
   <p:notesSz cx="6858000" cy="9144000"/>
@@ -312,7 +311,7 @@
           <a:p>
             <a:fld id="{C3AE3257-2723-42B8-AFB9-A8A6B21B87CD}" type="datetimeFigureOut">
               <a:rPr lang="en-US" smtClean="0"/>
-              <a:t>4/30/2021</a:t>
+              <a:t>4/30/21</a:t>
             </a:fld>
             <a:endParaRPr lang="en-US"/>
           </a:p>
@@ -517,7 +516,7 @@
           <a:p>
             <a:fld id="{C3AE3257-2723-42B8-AFB9-A8A6B21B87CD}" type="datetimeFigureOut">
               <a:rPr lang="en-US" smtClean="0"/>
-              <a:t>4/30/2021</a:t>
+              <a:t>4/30/21</a:t>
             </a:fld>
             <a:endParaRPr lang="en-US"/>
           </a:p>
@@ -697,7 +696,7 @@
           <a:p>
             <a:fld id="{C3AE3257-2723-42B8-AFB9-A8A6B21B87CD}" type="datetimeFigureOut">
               <a:rPr lang="en-US" smtClean="0"/>
-              <a:t>4/30/2021</a:t>
+              <a:t>4/30/21</a:t>
             </a:fld>
             <a:endParaRPr lang="en-US"/>
           </a:p>
@@ -902,7 +901,7 @@
           <a:p>
             <a:fld id="{C3AE3257-2723-42B8-AFB9-A8A6B21B87CD}" type="datetimeFigureOut">
               <a:rPr lang="en-US" smtClean="0"/>
-              <a:t>4/30/2021</a:t>
+              <a:t>4/30/21</a:t>
             </a:fld>
             <a:endParaRPr lang="en-US"/>
           </a:p>
@@ -1197,7 +1196,7 @@
           <a:p>
             <a:fld id="{C3AE3257-2723-42B8-AFB9-A8A6B21B87CD}" type="datetimeFigureOut">
               <a:rPr lang="en-US" smtClean="0"/>
-              <a:t>4/30/2021</a:t>
+              <a:t>4/30/21</a:t>
             </a:fld>
             <a:endParaRPr lang="en-US"/>
           </a:p>
@@ -1469,7 +1468,7 @@
           <a:p>
             <a:fld id="{C3AE3257-2723-42B8-AFB9-A8A6B21B87CD}" type="datetimeFigureOut">
               <a:rPr lang="en-US" smtClean="0"/>
-              <a:t>4/30/2021</a:t>
+              <a:t>4/30/21</a:t>
             </a:fld>
             <a:endParaRPr lang="en-US"/>
           </a:p>
@@ -1876,7 +1875,7 @@
           <a:p>
             <a:fld id="{C3AE3257-2723-42B8-AFB9-A8A6B21B87CD}" type="datetimeFigureOut">
               <a:rPr lang="en-US" smtClean="0"/>
-              <a:t>4/30/2021</a:t>
+              <a:t>4/30/21</a:t>
             </a:fld>
             <a:endParaRPr lang="en-US"/>
           </a:p>
@@ -1994,7 +1993,7 @@
           <a:p>
             <a:fld id="{C3AE3257-2723-42B8-AFB9-A8A6B21B87CD}" type="datetimeFigureOut">
               <a:rPr lang="en-US" smtClean="0"/>
-              <a:t>4/30/2021</a:t>
+              <a:t>4/30/21</a:t>
             </a:fld>
             <a:endParaRPr lang="en-US"/>
           </a:p>
@@ -2089,7 +2088,7 @@
           <a:p>
             <a:fld id="{C3AE3257-2723-42B8-AFB9-A8A6B21B87CD}" type="datetimeFigureOut">
               <a:rPr lang="en-US" smtClean="0"/>
-              <a:t>4/30/2021</a:t>
+              <a:t>4/30/21</a:t>
             </a:fld>
             <a:endParaRPr lang="en-US"/>
           </a:p>
@@ -2379,7 +2378,7 @@
           <a:p>
             <a:fld id="{C3AE3257-2723-42B8-AFB9-A8A6B21B87CD}" type="datetimeFigureOut">
               <a:rPr lang="en-US" smtClean="0"/>
-              <a:t>4/30/2021</a:t>
+              <a:t>4/30/21</a:t>
             </a:fld>
             <a:endParaRPr lang="en-US"/>
           </a:p>
@@ -2659,7 +2658,7 @@
           <a:p>
             <a:fld id="{C3AE3257-2723-42B8-AFB9-A8A6B21B87CD}" type="datetimeFigureOut">
               <a:rPr lang="en-US" smtClean="0"/>
-              <a:t>4/30/2021</a:t>
+              <a:t>4/30/21</a:t>
             </a:fld>
             <a:endParaRPr lang="en-US"/>
           </a:p>
@@ -2909,7 +2908,7 @@
           <a:p>
             <a:fld id="{C3AE3257-2723-42B8-AFB9-A8A6B21B87CD}" type="datetimeFigureOut">
               <a:rPr lang="en-US" smtClean="0"/>
-              <a:t>4/30/2021</a:t>
+              <a:t>4/30/21</a:t>
             </a:fld>
             <a:endParaRPr lang="en-US"/>
           </a:p>
@@ -3734,89 +3733,6 @@
 </p:sld>
 </file>
 
-<file path=ppt/slides/slide11.xml><?xml version="1.0" encoding="utf-8"?>
-<p:sld xmlns:a="http://schemas.openxmlformats.org/drawingml/2006/main" xmlns:r="http://schemas.openxmlformats.org/officeDocument/2006/relationships" xmlns:p="http://schemas.openxmlformats.org/presentationml/2006/main">
-  <p:cSld>
-    <p:spTree>
-      <p:nvGrpSpPr>
-        <p:cNvPr id="1" name=""/>
-        <p:cNvGrpSpPr/>
-        <p:nvPr/>
-      </p:nvGrpSpPr>
-      <p:grpSpPr>
-        <a:xfrm>
-          <a:off x="0" y="0"/>
-          <a:ext cx="0" cy="0"/>
-          <a:chOff x="0" y="0"/>
-          <a:chExt cx="0" cy="0"/>
-        </a:xfrm>
-      </p:grpSpPr>
-      <p:sp>
-        <p:nvSpPr>
-          <p:cNvPr id="2" name="Title 1">
-            <a:extLst>
-              <a:ext uri="{FF2B5EF4-FFF2-40B4-BE49-F238E27FC236}">
-                <a16:creationId xmlns:a16="http://schemas.microsoft.com/office/drawing/2014/main" id="{1B1CC4C3-B980-4370-B6DB-C7B5BADE97A2}"/>
-              </a:ext>
-            </a:extLst>
-          </p:cNvPr>
-          <p:cNvSpPr>
-            <a:spLocks noGrp="1"/>
-          </p:cNvSpPr>
-          <p:nvPr>
-            <p:ph type="title"/>
-          </p:nvPr>
-        </p:nvSpPr>
-        <p:spPr/>
-        <p:txBody>
-          <a:bodyPr/>
-          <a:lstStyle/>
-          <a:p>
-            <a:r>
-              <a:rPr lang="en-US" dirty="0"/>
-              <a:t>Challenges for future prediction</a:t>
-            </a:r>
-          </a:p>
-        </p:txBody>
-      </p:sp>
-      <p:sp>
-        <p:nvSpPr>
-          <p:cNvPr id="3" name="Content Placeholder 2">
-            <a:extLst>
-              <a:ext uri="{FF2B5EF4-FFF2-40B4-BE49-F238E27FC236}">
-                <a16:creationId xmlns:a16="http://schemas.microsoft.com/office/drawing/2014/main" id="{06EA3250-F0C0-4E2C-B8D5-E3AD6F4929DA}"/>
-              </a:ext>
-            </a:extLst>
-          </p:cNvPr>
-          <p:cNvSpPr>
-            <a:spLocks noGrp="1"/>
-          </p:cNvSpPr>
-          <p:nvPr>
-            <p:ph idx="1"/>
-          </p:nvPr>
-        </p:nvSpPr>
-        <p:spPr/>
-        <p:txBody>
-          <a:bodyPr/>
-          <a:lstStyle/>
-          <a:p>
-            <a:endParaRPr lang="en-US"/>
-          </a:p>
-        </p:txBody>
-      </p:sp>
-    </p:spTree>
-    <p:extLst>
-      <p:ext uri="{BB962C8B-B14F-4D97-AF65-F5344CB8AC3E}">
-        <p14:creationId xmlns:p14="http://schemas.microsoft.com/office/powerpoint/2010/main" val="1691348210"/>
-      </p:ext>
-    </p:extLst>
-  </p:cSld>
-  <p:clrMapOvr>
-    <a:masterClrMapping/>
-  </p:clrMapOvr>
-</p:sld>
-</file>
-
 <file path=ppt/slides/slide2.xml><?xml version="1.0" encoding="utf-8"?>
 <p:sld xmlns:a="http://schemas.openxmlformats.org/drawingml/2006/main" xmlns:r="http://schemas.openxmlformats.org/officeDocument/2006/relationships" xmlns:p="http://schemas.openxmlformats.org/presentationml/2006/main">
   <p:cSld>
@@ -3883,57 +3799,13 @@
           <a:bodyPr/>
           <a:lstStyle/>
           <a:p>
-            <a:endParaRPr lang="en-US" dirty="0"/>
-          </a:p>
-          <a:p>
-            <a:pPr lvl="1"/>
+            <a:pPr marL="0" indent="0">
+              <a:buNone/>
+            </a:pPr>
             <a:r>
               <a:rPr lang="en-US" dirty="0"/>
-              <a:t>Analyzing Deltas volume before and during Covid</a:t>
-            </a:r>
-          </a:p>
-          <a:p>
-            <a:pPr lvl="1"/>
-            <a:r>
-              <a:rPr lang="en-US" dirty="0"/>
-              <a:t>Analyzing how Covid has affected Delta’s freight volume </a:t>
-            </a:r>
-          </a:p>
-          <a:p>
-            <a:pPr lvl="1"/>
-            <a:r>
-              <a:rPr lang="en-US" dirty="0"/>
-              <a:t>How has Delta’s market position changed since covid</a:t>
-            </a:r>
-          </a:p>
-          <a:p>
-            <a:pPr lvl="1"/>
-            <a:r>
-              <a:rPr lang="en-US" dirty="0"/>
-              <a:t>Evaluate how Delta’s Atlanta routes to Los Angeles, New York, and Houston have been affected.</a:t>
-            </a:r>
-          </a:p>
-          <a:p>
-            <a:pPr lvl="1"/>
-            <a:r>
-              <a:rPr lang="en-US" dirty="0"/>
-              <a:t>Project Delta’s future volumes</a:t>
-            </a:r>
-          </a:p>
-          <a:p>
-            <a:pPr lvl="1"/>
-            <a:r>
-              <a:rPr lang="en-US" dirty="0"/>
-              <a:t>Why? To see how Covid has affected Delta’s position in the Industry for freight and passenger.</a:t>
-            </a:r>
-          </a:p>
-          <a:p>
-            <a:pPr lvl="1"/>
-            <a:endParaRPr lang="en-US" dirty="0"/>
-          </a:p>
-          <a:p>
-            <a:pPr lvl="1"/>
-            <a:endParaRPr lang="en-US" dirty="0"/>
+              <a:t>The “Delta Airlines” presentation is a collaboration to dig into pre and post pandemic Delta Airlines data to gather insights from passenger traffic, freight volume, major routes and competing carriers with Delta Airlines.</a:t>
+            </a:r>
           </a:p>
         </p:txBody>
       </p:sp>
@@ -4013,51 +3885,91 @@
         </p:nvSpPr>
         <p:spPr/>
         <p:txBody>
-          <a:bodyPr>
-            <a:normAutofit/>
-          </a:bodyPr>
-          <a:lstStyle/>
-          <a:p>
+          <a:bodyPr/>
+          <a:lstStyle/>
+          <a:p>
+            <a:pPr>
+              <a:buFont typeface="Wingdings" pitchFamily="2" charset="2"/>
+              <a:buChar char="v"/>
+            </a:pPr>
             <a:r>
               <a:rPr lang="en-US" dirty="0"/>
-              <a:t>We needed to be able to have passenger and freight data from various major routes to give us an indication of Delta’s volume compared to its competitors</a:t>
-            </a:r>
-          </a:p>
-          <a:p>
+              <a:t> How was Delta Airlines business travel effected?</a:t>
+            </a:r>
+          </a:p>
+          <a:p>
+            <a:pPr>
+              <a:buFont typeface="Wingdings" pitchFamily="2" charset="2"/>
+              <a:buChar char="v"/>
+            </a:pPr>
             <a:r>
               <a:rPr lang="en-US" dirty="0"/>
-              <a:t>We need to have data from before and after the pandemic</a:t>
-            </a:r>
-          </a:p>
-          <a:p>
+              <a:t> When did travel confidence return ?</a:t>
+            </a:r>
+          </a:p>
+          <a:p>
+            <a:pPr>
+              <a:buFont typeface="Wingdings" pitchFamily="2" charset="2"/>
+              <a:buChar char="v"/>
+            </a:pPr>
             <a:r>
               <a:rPr lang="en-US" dirty="0"/>
-              <a:t>  Based on limited data we had since the vaccine was approved, we need to have some data to help project future volumes. </a:t>
-            </a:r>
-          </a:p>
-          <a:p>
-            <a:pPr marL="0" indent="0">
-              <a:buNone/>
+              <a:t> Was Holliday travel badly effected by the pandemic fear ? </a:t>
+            </a:r>
+          </a:p>
+          <a:p>
+            <a:pPr>
+              <a:buFont typeface="Wingdings" pitchFamily="2" charset="2"/>
+              <a:buChar char="v"/>
             </a:pPr>
-            <a:endParaRPr lang="en-US" dirty="0"/>
-          </a:p>
-          <a:p>
             <a:r>
               <a:rPr lang="en-US" dirty="0"/>
-              <a:t>We found our data at: </a:t>
-            </a:r>
-            <a:r>
-              <a:rPr lang="en-US" dirty="0">
-                <a:hlinkClick r:id="rId2"/>
-              </a:rPr>
-              <a:t>https://transtats.bts.gov/databases.asp?Z1qr_VQ=E&amp;Z1qr_Qr5p=N8vn6v10&amp;f7owrp6_VQF=D</a:t>
-            </a:r>
-            <a:endParaRPr lang="en-US" dirty="0"/>
-          </a:p>
-          <a:p>
-            <a:endParaRPr lang="en-US" dirty="0"/>
-          </a:p>
-          <a:p>
+              <a:t> Did Delta freight volume increase against passenger volume decline?</a:t>
+            </a:r>
+          </a:p>
+          <a:p>
+            <a:pPr>
+              <a:buFont typeface="Wingdings" pitchFamily="2" charset="2"/>
+              <a:buChar char="v"/>
+            </a:pPr>
+            <a:r>
+              <a:rPr lang="en-US" dirty="0"/>
+              <a:t> Data limitation with only January 2021 being available during time of project.</a:t>
+            </a:r>
+          </a:p>
+          <a:p>
+            <a:pPr>
+              <a:buFont typeface="Wingdings" pitchFamily="2" charset="2"/>
+              <a:buChar char="v"/>
+            </a:pPr>
+            <a:r>
+              <a:rPr lang="en-US" dirty="0"/>
+              <a:t> Certain sample criteria with “Carriers” were eliminated as “</a:t>
+            </a:r>
+            <a:r>
+              <a:rPr lang="en-US" dirty="0" err="1"/>
+              <a:t>desti</a:t>
+            </a:r>
+            <a:r>
+              <a:rPr lang="en-US" dirty="0"/>
+              <a:t>” aren’t available</a:t>
+            </a:r>
+          </a:p>
+          <a:p>
+            <a:pPr>
+              <a:buFont typeface="Wingdings" pitchFamily="2" charset="2"/>
+              <a:buChar char="v"/>
+            </a:pPr>
+            <a:r>
+              <a:rPr lang="en-US" dirty="0"/>
+              <a:t>We utilized Arima forecasting to timeframe the Delta data to make predictive modeling.</a:t>
+            </a:r>
+          </a:p>
+          <a:p>
+            <a:pPr>
+              <a:buFont typeface="Wingdings" pitchFamily="2" charset="2"/>
+              <a:buChar char="v"/>
+            </a:pPr>
             <a:endParaRPr lang="en-US" dirty="0"/>
           </a:p>
         </p:txBody>
@@ -4190,7 +4102,7 @@
         </p:spPr>
         <p:txBody>
           <a:bodyPr>
-            <a:normAutofit lnSpcReduction="10000"/>
+            <a:normAutofit/>
           </a:bodyPr>
           <a:lstStyle/>
           <a:p>
@@ -4215,15 +4127,7 @@
           <a:p>
             <a:r>
               <a:rPr lang="en-US" sz="1700" dirty="0"/>
-              <a:t>The Data Cleanup process included selecting the relevant columns from the website, and downloading the data, and dropping irrelevant columns in </a:t>
-            </a:r>
-            <a:r>
-              <a:rPr lang="en-US" sz="1700" dirty="0" err="1"/>
-              <a:t>jupyter</a:t>
-            </a:r>
-            <a:r>
-              <a:rPr lang="en-US" sz="1700" dirty="0"/>
-              <a:t> notebooks</a:t>
+              <a:t>The Data Cleanup process included selecting the relevant columns from the website, and downloading the data</a:t>
             </a:r>
           </a:p>
           <a:p>
@@ -4267,38 +4171,8 @@
         </p:blipFill>
         <p:spPr>
           <a:xfrm>
-            <a:off x="5964458" y="1018988"/>
-            <a:ext cx="4921696" cy="2820625"/>
-          </a:xfrm>
-          <a:prstGeom prst="rect">
-            <a:avLst/>
-          </a:prstGeom>
-        </p:spPr>
-      </p:pic>
-      <p:pic>
-        <p:nvPicPr>
-          <p:cNvPr id="7" name="Picture 6">
-            <a:extLst>
-              <a:ext uri="{FF2B5EF4-FFF2-40B4-BE49-F238E27FC236}">
-                <a16:creationId xmlns:a16="http://schemas.microsoft.com/office/drawing/2014/main" id="{105608AC-FFEA-4922-9BDF-6B95E6C61204}"/>
-              </a:ext>
-            </a:extLst>
-          </p:cNvPr>
-          <p:cNvPicPr>
-            <a:picLocks noChangeAspect="1"/>
-          </p:cNvPicPr>
-          <p:nvPr/>
-        </p:nvPicPr>
-        <p:blipFill>
-          <a:blip r:embed="rId4"/>
-          <a:stretch>
-            <a:fillRect/>
-          </a:stretch>
-        </p:blipFill>
-        <p:spPr>
-          <a:xfrm>
-            <a:off x="5478449" y="4003675"/>
-            <a:ext cx="5893715" cy="2563380"/>
+            <a:off x="6098892" y="2492376"/>
+            <a:ext cx="4802404" cy="3563372"/>
           </a:xfrm>
           <a:prstGeom prst="rect">
             <a:avLst/>
@@ -4995,6 +4869,14 @@
 <file path=ppt/slides/slide9.xml><?xml version="1.0" encoding="utf-8"?>
 <p:sld xmlns:a="http://schemas.openxmlformats.org/drawingml/2006/main" xmlns:r="http://schemas.openxmlformats.org/officeDocument/2006/relationships" xmlns:p="http://schemas.openxmlformats.org/presentationml/2006/main">
   <p:cSld>
+    <p:bg>
+      <p:bgPr>
+        <a:solidFill>
+          <a:schemeClr val="bg1"/>
+        </a:solidFill>
+        <a:effectLst/>
+      </p:bgPr>
+    </p:bg>
     <p:spTree>
       <p:nvGrpSpPr>
         <p:cNvPr id="1" name=""/>
@@ -5009,12 +4891,127 @@
           <a:chExt cx="0" cy="0"/>
         </a:xfrm>
       </p:grpSpPr>
+      <p:cxnSp>
+        <p:nvCxnSpPr>
+          <p:cNvPr id="11" name="Straight Connector 10">
+            <a:extLst>
+              <a:ext uri="{FF2B5EF4-FFF2-40B4-BE49-F238E27FC236}">
+                <a16:creationId xmlns:a16="http://schemas.microsoft.com/office/drawing/2014/main" id="{F4F4AF38-8AAD-4B65-9274-0033CABC4A16}"/>
+              </a:ext>
+              <a:ext uri="{C183D7F6-B498-43B3-948B-1728B52AA6E4}">
+                <adec:decorative xmlns:adec="http://schemas.microsoft.com/office/drawing/2017/decorative" val="1"/>
+              </a:ext>
+            </a:extLst>
+          </p:cNvPr>
+          <p:cNvCxnSpPr>
+            <a:cxnSpLocks noGrp="1" noRot="1" noChangeAspect="1" noMove="1" noResize="1" noEditPoints="1" noAdjustHandles="1" noChangeArrowheads="1" noChangeShapeType="1"/>
+          </p:cNvCxnSpPr>
+          <p:nvPr>
+            <p:extLst>
+              <p:ext uri="{386F3935-93C4-4BCD-93E2-E3B085C9AB24}">
+                <p16:designElem xmlns:p16="http://schemas.microsoft.com/office/powerpoint/2015/main" val="1"/>
+              </p:ext>
+            </p:extLst>
+          </p:nvPr>
+        </p:nvCxnSpPr>
+        <p:spPr>
+          <a:xfrm flipV="1">
+            <a:off x="762000" y="826324"/>
+            <a:ext cx="0" cy="914400"/>
+          </a:xfrm>
+          <a:prstGeom prst="line">
+            <a:avLst/>
+          </a:prstGeom>
+          <a:ln w="19050">
+            <a:solidFill>
+              <a:schemeClr val="accent2"/>
+            </a:solidFill>
+          </a:ln>
+        </p:spPr>
+        <p:style>
+          <a:lnRef idx="1">
+            <a:schemeClr val="accent1"/>
+          </a:lnRef>
+          <a:fillRef idx="0">
+            <a:schemeClr val="accent1"/>
+          </a:fillRef>
+          <a:effectRef idx="0">
+            <a:schemeClr val="accent1"/>
+          </a:effectRef>
+          <a:fontRef idx="minor">
+            <a:schemeClr val="tx1"/>
+          </a:fontRef>
+        </p:style>
+      </p:cxnSp>
+      <p:sp>
+        <p:nvSpPr>
+          <p:cNvPr id="13" name="Rectangle 12">
+            <a:extLst>
+              <a:ext uri="{FF2B5EF4-FFF2-40B4-BE49-F238E27FC236}">
+                <a16:creationId xmlns:a16="http://schemas.microsoft.com/office/drawing/2014/main" id="{81CE8CA9-D6D2-4C46-8070-9566F894E53E}"/>
+              </a:ext>
+              <a:ext uri="{C183D7F6-B498-43B3-948B-1728B52AA6E4}">
+                <adec:decorative xmlns:adec="http://schemas.microsoft.com/office/drawing/2017/decorative" val="1"/>
+              </a:ext>
+            </a:extLst>
+          </p:cNvPr>
+          <p:cNvSpPr>
+            <a:spLocks noGrp="1" noRot="1" noChangeAspect="1" noMove="1" noResize="1" noEditPoints="1" noAdjustHandles="1" noChangeArrowheads="1" noChangeShapeType="1" noTextEdit="1"/>
+          </p:cNvSpPr>
+          <p:nvPr>
+            <p:extLst>
+              <p:ext uri="{386F3935-93C4-4BCD-93E2-E3B085C9AB24}">
+                <p16:designElem xmlns:p16="http://schemas.microsoft.com/office/powerpoint/2015/main" val="1"/>
+              </p:ext>
+            </p:extLst>
+          </p:nvPr>
+        </p:nvSpPr>
+        <p:spPr>
+          <a:xfrm>
+            <a:off x="0" y="0"/>
+            <a:ext cx="5468548" cy="6858000"/>
+          </a:xfrm>
+          <a:prstGeom prst="rect">
+            <a:avLst/>
+          </a:prstGeom>
+          <a:solidFill>
+            <a:schemeClr val="accent2"/>
+          </a:solidFill>
+          <a:ln>
+            <a:noFill/>
+          </a:ln>
+        </p:spPr>
+        <p:style>
+          <a:lnRef idx="2">
+            <a:schemeClr val="accent1">
+              <a:shade val="50000"/>
+            </a:schemeClr>
+          </a:lnRef>
+          <a:fillRef idx="1">
+            <a:schemeClr val="accent1"/>
+          </a:fillRef>
+          <a:effectRef idx="0">
+            <a:schemeClr val="accent1"/>
+          </a:effectRef>
+          <a:fontRef idx="minor">
+            <a:schemeClr val="lt1"/>
+          </a:fontRef>
+        </p:style>
+        <p:txBody>
+          <a:bodyPr rtlCol="0" anchor="ctr"/>
+          <a:lstStyle/>
+          <a:p>
+            <a:pPr algn="ctr"/>
+            <a:endParaRPr lang="en-US"/>
+          </a:p>
+        </p:txBody>
+      </p:sp>
       <p:sp>
         <p:nvSpPr>
           <p:cNvPr id="2" name="Title 1">
             <a:extLst>
               <a:ext uri="{FF2B5EF4-FFF2-40B4-BE49-F238E27FC236}">
-                <a16:creationId xmlns:a16="http://schemas.microsoft.com/office/drawing/2014/main" id="{2C1DF0F1-5B66-4D02-996B-33B9D50B618F}"/>
+                <a16:creationId xmlns:a16="http://schemas.microsoft.com/office/drawing/2014/main" id="{A52C800C-3F55-4242-A5A5-47468D12E973}"/>
               </a:ext>
             </a:extLst>
           </p:cNvPr>
@@ -5027,38 +5024,182 @@
         </p:nvSpPr>
         <p:spPr>
           <a:xfrm>
-            <a:off x="1024127" y="471509"/>
-            <a:ext cx="9158559" cy="1737360"/>
+            <a:off x="1024129" y="585216"/>
+            <a:ext cx="3779085" cy="1499616"/>
           </a:xfrm>
         </p:spPr>
         <p:txBody>
-          <a:bodyPr/>
-          <a:lstStyle/>
-          <a:p>
-            <a:r>
-              <a:rPr lang="en-US" dirty="0"/>
-              <a:t>Here is the code for the previous chart:</a:t>
-            </a:r>
-            <a:br>
-              <a:rPr lang="en-US" dirty="0"/>
-            </a:br>
-            <a:r>
-              <a:rPr lang="en-US" dirty="0"/>
-              <a:t>Market Position, Delta vs Competitors </a:t>
-            </a:r>
-            <a:br>
-              <a:rPr lang="en-US" dirty="0"/>
-            </a:br>
-            <a:endParaRPr lang="en-US" dirty="0"/>
+          <a:bodyPr vert="horz" lIns="91440" tIns="45720" rIns="91440" bIns="45720" rtlCol="0" anchor="ctr">
+            <a:normAutofit/>
+          </a:bodyPr>
+          <a:lstStyle/>
+          <a:p>
+            <a:r>
+              <a:rPr lang="en-US" sz="4400" kern="1200" cap="all" spc="100" baseline="0">
+                <a:solidFill>
+                  <a:schemeClr val="tx1"/>
+                </a:solidFill>
+                <a:latin typeface="+mj-lt"/>
+                <a:ea typeface="+mj-ea"/>
+                <a:cs typeface="+mj-cs"/>
+              </a:rPr>
+              <a:t>Delta’s Domination</a:t>
+            </a:r>
+          </a:p>
+        </p:txBody>
+      </p:sp>
+      <p:cxnSp>
+        <p:nvCxnSpPr>
+          <p:cNvPr id="15" name="Straight Connector 14">
+            <a:extLst>
+              <a:ext uri="{FF2B5EF4-FFF2-40B4-BE49-F238E27FC236}">
+                <a16:creationId xmlns:a16="http://schemas.microsoft.com/office/drawing/2014/main" id="{72B31CF5-BEC2-457D-A52F-6A5CCB066FEC}"/>
+              </a:ext>
+              <a:ext uri="{C183D7F6-B498-43B3-948B-1728B52AA6E4}">
+                <adec:decorative xmlns:adec="http://schemas.microsoft.com/office/drawing/2017/decorative" val="1"/>
+              </a:ext>
+            </a:extLst>
+          </p:cNvPr>
+          <p:cNvCxnSpPr>
+            <a:cxnSpLocks noGrp="1" noRot="1" noChangeAspect="1" noMove="1" noResize="1" noEditPoints="1" noAdjustHandles="1" noChangeArrowheads="1" noChangeShapeType="1"/>
+          </p:cNvCxnSpPr>
+          <p:nvPr>
+            <p:extLst>
+              <p:ext uri="{386F3935-93C4-4BCD-93E2-E3B085C9AB24}">
+                <p16:designElem xmlns:p16="http://schemas.microsoft.com/office/powerpoint/2015/main" val="1"/>
+              </p:ext>
+            </p:extLst>
+          </p:nvPr>
+        </p:nvCxnSpPr>
+        <p:spPr>
+          <a:xfrm flipV="1">
+            <a:off x="762000" y="826324"/>
+            <a:ext cx="0" cy="914400"/>
+          </a:xfrm>
+          <a:prstGeom prst="line">
+            <a:avLst/>
+          </a:prstGeom>
+          <a:ln w="19050">
+            <a:solidFill>
+              <a:schemeClr val="accent1">
+                <a:lumMod val="20000"/>
+                <a:lumOff val="80000"/>
+              </a:schemeClr>
+            </a:solidFill>
+          </a:ln>
+        </p:spPr>
+        <p:style>
+          <a:lnRef idx="1">
+            <a:schemeClr val="accent1"/>
+          </a:lnRef>
+          <a:fillRef idx="0">
+            <a:schemeClr val="accent1"/>
+          </a:fillRef>
+          <a:effectRef idx="0">
+            <a:schemeClr val="accent1"/>
+          </a:effectRef>
+          <a:fontRef idx="minor">
+            <a:schemeClr val="tx1"/>
+          </a:fontRef>
+        </p:style>
+      </p:cxnSp>
+      <p:sp>
+        <p:nvSpPr>
+          <p:cNvPr id="4" name="Text Placeholder 3">
+            <a:extLst>
+              <a:ext uri="{FF2B5EF4-FFF2-40B4-BE49-F238E27FC236}">
+                <a16:creationId xmlns:a16="http://schemas.microsoft.com/office/drawing/2014/main" id="{D10413F9-3EF8-2040-97E0-5CCE5A2AEE06}"/>
+              </a:ext>
+            </a:extLst>
+          </p:cNvPr>
+          <p:cNvSpPr>
+            <a:spLocks noGrp="1"/>
+          </p:cNvSpPr>
+          <p:nvPr>
+            <p:ph type="body" sz="half" idx="2"/>
+          </p:nvPr>
+        </p:nvSpPr>
+        <p:spPr>
+          <a:xfrm>
+            <a:off x="1024129" y="2286000"/>
+            <a:ext cx="3791711" cy="3931920"/>
+          </a:xfrm>
+        </p:spPr>
+        <p:txBody>
+          <a:bodyPr vert="horz" lIns="45720" tIns="45720" rIns="45720" bIns="45720" rtlCol="0">
+            <a:normAutofit/>
+          </a:bodyPr>
+          <a:lstStyle/>
+          <a:p>
+            <a:pPr>
+              <a:lnSpc>
+                <a:spcPct val="90000"/>
+              </a:lnSpc>
+            </a:pPr>
+            <a:r>
+              <a:rPr lang="en-US" dirty="0">
+                <a:solidFill>
+                  <a:srgbClr val="FFFFFF"/>
+                </a:solidFill>
+              </a:rPr>
+              <a:t>Flights from ATL to LGA (New York) Delta is Flying above all its competitors in passenger volume by more than  40,000 more passenger volume 37.5% more than its closest competitor which remained consistent as 2019 Data not changing in 2020 Pandemic.</a:t>
+            </a:r>
+          </a:p>
+          <a:p>
+            <a:pPr>
+              <a:lnSpc>
+                <a:spcPct val="90000"/>
+              </a:lnSpc>
+            </a:pPr>
+            <a:r>
+              <a:rPr lang="en-US" dirty="0">
+                <a:solidFill>
+                  <a:srgbClr val="FFFFFF"/>
+                </a:solidFill>
+              </a:rPr>
+              <a:t>In the Holliday season between October and December for 2020 Delta soared above Competitors in the Month of Vaccinations (December 2020) American Airlines, Frontier, </a:t>
+            </a:r>
+            <a:r>
+              <a:rPr lang="en-US" dirty="0" err="1">
+                <a:solidFill>
+                  <a:srgbClr val="FFFFFF"/>
+                </a:solidFill>
+              </a:rPr>
+              <a:t>SouthWest</a:t>
+            </a:r>
+            <a:r>
+              <a:rPr lang="en-US" dirty="0">
+                <a:solidFill>
+                  <a:srgbClr val="FFFFFF"/>
+                </a:solidFill>
+              </a:rPr>
+              <a:t>) fell off significantly with </a:t>
+            </a:r>
+            <a:r>
+              <a:rPr lang="en-US" dirty="0" err="1">
+                <a:solidFill>
+                  <a:srgbClr val="FFFFFF"/>
+                </a:solidFill>
+              </a:rPr>
+              <a:t>SouthWest</a:t>
+            </a:r>
+            <a:r>
+              <a:rPr lang="en-US" dirty="0">
+                <a:solidFill>
+                  <a:srgbClr val="FFFFFF"/>
+                </a:solidFill>
+              </a:rPr>
+              <a:t> dropping near lower competitor's volume.</a:t>
+            </a:r>
           </a:p>
         </p:txBody>
       </p:sp>
       <p:pic>
         <p:nvPicPr>
-          <p:cNvPr id="6" name="Content Placeholder 5">
+          <p:cNvPr id="6" name="Content Placeholder 5" descr="Chart, line chart&#10;&#10;Description automatically generated">
             <a:extLst>
               <a:ext uri="{FF2B5EF4-FFF2-40B4-BE49-F238E27FC236}">
-                <a16:creationId xmlns:a16="http://schemas.microsoft.com/office/drawing/2014/main" id="{5E8401A8-9048-4F87-B7D2-C76FA5C3D1DB}"/>
+                <a16:creationId xmlns:a16="http://schemas.microsoft.com/office/drawing/2014/main" id="{39BCCF77-AD89-1B4E-8DBA-7006877B254A}"/>
               </a:ext>
             </a:extLst>
           </p:cNvPr>
@@ -5070,24 +5211,33 @@
           </p:nvPr>
         </p:nvPicPr>
         <p:blipFill>
-          <a:blip r:embed="rId2"/>
+          <a:blip r:embed="rId2">
+            <a:extLst>
+              <a:ext uri="{28A0092B-C50C-407E-A947-70E740481C1C}">
+                <a14:useLocalDpi xmlns:a14="http://schemas.microsoft.com/office/drawing/2010/main" val="0"/>
+              </a:ext>
+            </a:extLst>
+          </a:blip>
           <a:stretch>
             <a:fillRect/>
           </a:stretch>
         </p:blipFill>
         <p:spPr>
           <a:xfrm>
-            <a:off x="524707" y="2478608"/>
-            <a:ext cx="5228393" cy="3458127"/>
+            <a:off x="5839969" y="146000"/>
+            <a:ext cx="5455921" cy="3283000"/>
           </a:xfrm>
+          <a:prstGeom prst="rect">
+            <a:avLst/>
+          </a:prstGeom>
         </p:spPr>
       </p:pic>
       <p:pic>
         <p:nvPicPr>
-          <p:cNvPr id="8" name="Picture 7">
+          <p:cNvPr id="8" name="Picture 7" descr="Chart, line chart&#10;&#10;Description automatically generated">
             <a:extLst>
               <a:ext uri="{FF2B5EF4-FFF2-40B4-BE49-F238E27FC236}">
-                <a16:creationId xmlns:a16="http://schemas.microsoft.com/office/drawing/2014/main" id="{5F1391D8-7A23-4F46-BC26-3BF32FB4411A}"/>
+                <a16:creationId xmlns:a16="http://schemas.microsoft.com/office/drawing/2014/main" id="{59A43E0F-D2AA-A047-8F5C-1DED59FDAC16}"/>
               </a:ext>
             </a:extLst>
           </p:cNvPr>
@@ -5097,45 +5247,21 @@
           <p:nvPr/>
         </p:nvPicPr>
         <p:blipFill>
-          <a:blip r:embed="rId3"/>
+          <a:blip r:embed="rId3">
+            <a:extLst>
+              <a:ext uri="{28A0092B-C50C-407E-A947-70E740481C1C}">
+                <a14:useLocalDpi xmlns:a14="http://schemas.microsoft.com/office/drawing/2010/main" val="0"/>
+              </a:ext>
+            </a:extLst>
+          </a:blip>
           <a:stretch>
             <a:fillRect/>
           </a:stretch>
         </p:blipFill>
         <p:spPr>
           <a:xfrm>
-            <a:off x="6180793" y="3057525"/>
-            <a:ext cx="5644494" cy="2679455"/>
-          </a:xfrm>
-          <a:prstGeom prst="rect">
-            <a:avLst/>
-          </a:prstGeom>
-        </p:spPr>
-      </p:pic>
-      <p:pic>
-        <p:nvPicPr>
-          <p:cNvPr id="10" name="Picture 9">
-            <a:extLst>
-              <a:ext uri="{FF2B5EF4-FFF2-40B4-BE49-F238E27FC236}">
-                <a16:creationId xmlns:a16="http://schemas.microsoft.com/office/drawing/2014/main" id="{A47C9583-11AB-4E5E-AE19-BB3855DA69DE}"/>
-              </a:ext>
-            </a:extLst>
-          </p:cNvPr>
-          <p:cNvPicPr>
-            <a:picLocks noChangeAspect="1"/>
-          </p:cNvPicPr>
-          <p:nvPr/>
-        </p:nvPicPr>
-        <p:blipFill>
-          <a:blip r:embed="rId4"/>
-          <a:stretch>
-            <a:fillRect/>
-          </a:stretch>
-        </p:blipFill>
-        <p:spPr>
-          <a:xfrm>
-            <a:off x="6180793" y="2478608"/>
-            <a:ext cx="5644494" cy="473134"/>
+            <a:off x="5468548" y="3182112"/>
+            <a:ext cx="6723452" cy="3675888"/>
           </a:xfrm>
           <a:prstGeom prst="rect">
             <a:avLst/>
@@ -5145,7 +5271,7 @@
     </p:spTree>
     <p:extLst>
       <p:ext uri="{BB962C8B-B14F-4D97-AF65-F5344CB8AC3E}">
-        <p14:creationId xmlns:p14="http://schemas.microsoft.com/office/powerpoint/2010/main" val="2089065232"/>
+        <p14:creationId xmlns:p14="http://schemas.microsoft.com/office/powerpoint/2010/main" val="3006917111"/>
       </p:ext>
     </p:extLst>
   </p:cSld>

--- a/Project Delta Airlines Presentation.pptx
+++ b/Project Delta Airlines Presentation.pptx
@@ -311,7 +311,7 @@
           <a:p>
             <a:fld id="{C3AE3257-2723-42B8-AFB9-A8A6B21B87CD}" type="datetimeFigureOut">
               <a:rPr lang="en-US" smtClean="0"/>
-              <a:t>4/30/21</a:t>
+              <a:t>5/1/21</a:t>
             </a:fld>
             <a:endParaRPr lang="en-US"/>
           </a:p>
@@ -516,7 +516,7 @@
           <a:p>
             <a:fld id="{C3AE3257-2723-42B8-AFB9-A8A6B21B87CD}" type="datetimeFigureOut">
               <a:rPr lang="en-US" smtClean="0"/>
-              <a:t>4/30/21</a:t>
+              <a:t>5/1/21</a:t>
             </a:fld>
             <a:endParaRPr lang="en-US"/>
           </a:p>
@@ -696,7 +696,7 @@
           <a:p>
             <a:fld id="{C3AE3257-2723-42B8-AFB9-A8A6B21B87CD}" type="datetimeFigureOut">
               <a:rPr lang="en-US" smtClean="0"/>
-              <a:t>4/30/21</a:t>
+              <a:t>5/1/21</a:t>
             </a:fld>
             <a:endParaRPr lang="en-US"/>
           </a:p>
@@ -901,7 +901,7 @@
           <a:p>
             <a:fld id="{C3AE3257-2723-42B8-AFB9-A8A6B21B87CD}" type="datetimeFigureOut">
               <a:rPr lang="en-US" smtClean="0"/>
-              <a:t>4/30/21</a:t>
+              <a:t>5/1/21</a:t>
             </a:fld>
             <a:endParaRPr lang="en-US"/>
           </a:p>
@@ -1196,7 +1196,7 @@
           <a:p>
             <a:fld id="{C3AE3257-2723-42B8-AFB9-A8A6B21B87CD}" type="datetimeFigureOut">
               <a:rPr lang="en-US" smtClean="0"/>
-              <a:t>4/30/21</a:t>
+              <a:t>5/1/21</a:t>
             </a:fld>
             <a:endParaRPr lang="en-US"/>
           </a:p>
@@ -1468,7 +1468,7 @@
           <a:p>
             <a:fld id="{C3AE3257-2723-42B8-AFB9-A8A6B21B87CD}" type="datetimeFigureOut">
               <a:rPr lang="en-US" smtClean="0"/>
-              <a:t>4/30/21</a:t>
+              <a:t>5/1/21</a:t>
             </a:fld>
             <a:endParaRPr lang="en-US"/>
           </a:p>
@@ -1875,7 +1875,7 @@
           <a:p>
             <a:fld id="{C3AE3257-2723-42B8-AFB9-A8A6B21B87CD}" type="datetimeFigureOut">
               <a:rPr lang="en-US" smtClean="0"/>
-              <a:t>4/30/21</a:t>
+              <a:t>5/1/21</a:t>
             </a:fld>
             <a:endParaRPr lang="en-US"/>
           </a:p>
@@ -1993,7 +1993,7 @@
           <a:p>
             <a:fld id="{C3AE3257-2723-42B8-AFB9-A8A6B21B87CD}" type="datetimeFigureOut">
               <a:rPr lang="en-US" smtClean="0"/>
-              <a:t>4/30/21</a:t>
+              <a:t>5/1/21</a:t>
             </a:fld>
             <a:endParaRPr lang="en-US"/>
           </a:p>
@@ -2088,7 +2088,7 @@
           <a:p>
             <a:fld id="{C3AE3257-2723-42B8-AFB9-A8A6B21B87CD}" type="datetimeFigureOut">
               <a:rPr lang="en-US" smtClean="0"/>
-              <a:t>4/30/21</a:t>
+              <a:t>5/1/21</a:t>
             </a:fld>
             <a:endParaRPr lang="en-US"/>
           </a:p>
@@ -2378,7 +2378,7 @@
           <a:p>
             <a:fld id="{C3AE3257-2723-42B8-AFB9-A8A6B21B87CD}" type="datetimeFigureOut">
               <a:rPr lang="en-US" smtClean="0"/>
-              <a:t>4/30/21</a:t>
+              <a:t>5/1/21</a:t>
             </a:fld>
             <a:endParaRPr lang="en-US"/>
           </a:p>
@@ -2658,7 +2658,7 @@
           <a:p>
             <a:fld id="{C3AE3257-2723-42B8-AFB9-A8A6B21B87CD}" type="datetimeFigureOut">
               <a:rPr lang="en-US" smtClean="0"/>
-              <a:t>4/30/21</a:t>
+              <a:t>5/1/21</a:t>
             </a:fld>
             <a:endParaRPr lang="en-US"/>
           </a:p>
@@ -2908,7 +2908,7 @@
           <a:p>
             <a:fld id="{C3AE3257-2723-42B8-AFB9-A8A6B21B87CD}" type="datetimeFigureOut">
               <a:rPr lang="en-US" smtClean="0"/>
-              <a:t>4/30/21</a:t>
+              <a:t>5/1/21</a:t>
             </a:fld>
             <a:endParaRPr lang="en-US"/>
           </a:p>
@@ -3683,7 +3683,12 @@
             <p:ph type="title"/>
           </p:nvPr>
         </p:nvSpPr>
-        <p:spPr/>
+        <p:spPr>
+          <a:xfrm>
+            <a:off x="1024128" y="228600"/>
+            <a:ext cx="9720072" cy="1207008"/>
+          </a:xfrm>
+        </p:spPr>
         <p:txBody>
           <a:bodyPr/>
           <a:lstStyle/>
@@ -3695,31 +3700,41 @@
           </a:p>
         </p:txBody>
       </p:sp>
-      <p:sp>
-        <p:nvSpPr>
-          <p:cNvPr id="6" name="Content Placeholder 5">
+      <p:pic>
+        <p:nvPicPr>
+          <p:cNvPr id="3" name="Content Placeholder 2" descr="Graphical user interface, application&#10;&#10;Description automatically generated">
             <a:extLst>
               <a:ext uri="{FF2B5EF4-FFF2-40B4-BE49-F238E27FC236}">
-                <a16:creationId xmlns:a16="http://schemas.microsoft.com/office/drawing/2014/main" id="{3897C4BA-CE05-421D-BC41-9CAEDAF70368}"/>
+                <a16:creationId xmlns:a16="http://schemas.microsoft.com/office/drawing/2014/main" id="{F89E2DF0-ABE7-C24A-9468-FC8452E71AB1}"/>
               </a:ext>
             </a:extLst>
           </p:cNvPr>
-          <p:cNvSpPr>
-            <a:spLocks noGrp="1"/>
-          </p:cNvSpPr>
+          <p:cNvPicPr>
+            <a:picLocks noGrp="1" noChangeAspect="1"/>
+          </p:cNvPicPr>
           <p:nvPr>
             <p:ph idx="1"/>
           </p:nvPr>
-        </p:nvSpPr>
-        <p:spPr/>
-        <p:txBody>
-          <a:bodyPr/>
-          <a:lstStyle/>
-          <a:p>
-            <a:endParaRPr lang="en-US" dirty="0"/>
-          </a:p>
-        </p:txBody>
-      </p:sp>
+        </p:nvPicPr>
+        <p:blipFill>
+          <a:blip r:embed="rId2">
+            <a:extLst>
+              <a:ext uri="{28A0092B-C50C-407E-A947-70E740481C1C}">
+                <a14:useLocalDpi xmlns:a14="http://schemas.microsoft.com/office/drawing/2010/main" val="0"/>
+              </a:ext>
+            </a:extLst>
+          </a:blip>
+          <a:stretch>
+            <a:fillRect/>
+          </a:stretch>
+        </p:blipFill>
+        <p:spPr>
+          <a:xfrm>
+            <a:off x="0" y="1261872"/>
+            <a:ext cx="11612880" cy="5468112"/>
+          </a:xfrm>
+        </p:spPr>
+      </p:pic>
     </p:spTree>
     <p:extLst>
       <p:ext uri="{BB962C8B-B14F-4D97-AF65-F5344CB8AC3E}">
